--- a/Presentation.pptx
+++ b/Presentation.pptx
@@ -113,6 +113,22 @@
       </a:defRPr>
     </a:lvl9pPr>
   </p:defaultTextStyle>
+  <p:extLst>
+    <p:ext uri="{EFAFB233-063F-42B5-8137-9DF3F51BA10A}">
+      <p15:sldGuideLst xmlns:p15="http://schemas.microsoft.com/office/powerpoint/2012/main">
+        <p15:guide id="1" orient="horz" pos="2160">
+          <p15:clr>
+            <a:srgbClr val="A4A3A4"/>
+          </p15:clr>
+        </p15:guide>
+        <p15:guide id="2" pos="2880">
+          <p15:clr>
+            <a:srgbClr val="A4A3A4"/>
+          </p15:clr>
+        </p15:guide>
+      </p15:sldGuideLst>
+    </p:ext>
+  </p:extLst>
 </p:presentation>
 </file>
 
@@ -198,7 +214,7 @@
           <a:p>
             <a:fld id="{A6EADF31-7264-4730-8F54-22D8732FCB46}" type="datetimeFigureOut">
               <a:rPr lang="en-CA" smtClean="0"/>
-              <a:t>04/05/2019</a:t>
+              <a:t>2019-05-04</a:t>
             </a:fld>
             <a:endParaRPr lang="en-CA"/>
           </a:p>
@@ -262,35 +278,35 @@
           <a:p>
             <a:pPr lvl="0"/>
             <a:r>
-              <a:rPr lang="en-US" smtClean="0"/>
+              <a:rPr lang="en-US"/>
               <a:t>Click to edit Master text styles</a:t>
             </a:r>
           </a:p>
           <a:p>
             <a:pPr lvl="1"/>
             <a:r>
-              <a:rPr lang="en-US" smtClean="0"/>
+              <a:rPr lang="en-US"/>
               <a:t>Second level</a:t>
             </a:r>
           </a:p>
           <a:p>
             <a:pPr lvl="2"/>
             <a:r>
-              <a:rPr lang="en-US" smtClean="0"/>
+              <a:rPr lang="en-US"/>
               <a:t>Third level</a:t>
             </a:r>
           </a:p>
           <a:p>
             <a:pPr lvl="3"/>
             <a:r>
-              <a:rPr lang="en-US" smtClean="0"/>
+              <a:rPr lang="en-US"/>
               <a:t>Fourth level</a:t>
             </a:r>
           </a:p>
           <a:p>
             <a:pPr lvl="4"/>
             <a:r>
-              <a:rPr lang="en-US" smtClean="0"/>
+              <a:rPr lang="en-US"/>
               <a:t>Fifth level</a:t>
             </a:r>
             <a:endParaRPr lang="en-CA"/>
@@ -511,19 +527,19 @@
           <a:lstStyle/>
           <a:p>
             <a:r>
-              <a:rPr lang="en-CA" dirty="0" smtClean="0"/>
+              <a:rPr lang="en-CA" dirty="0"/>
               <a:t>Bhattacharyya Coefficient = </a:t>
             </a:r>
             <a:r>
-              <a:rPr lang="en-CA" baseline="0" dirty="0" smtClean="0"/>
+              <a:rPr lang="en-CA" baseline="0" dirty="0"/>
               <a:t> </a:t>
             </a:r>
             <a:r>
-              <a:rPr lang="en-CA" dirty="0" smtClean="0"/>
+              <a:rPr lang="en-CA" dirty="0"/>
               <a:t>Measure</a:t>
             </a:r>
             <a:r>
-              <a:rPr lang="en-CA" baseline="0" dirty="0" smtClean="0"/>
+              <a:rPr lang="en-CA" baseline="0" dirty="0"/>
               <a:t> of overlapping search distributions (acquisition and memory)</a:t>
             </a:r>
           </a:p>
@@ -613,11 +629,11 @@
           <a:lstStyle/>
           <a:p>
             <a:r>
-              <a:rPr lang="en-CA" dirty="0" smtClean="0"/>
+              <a:rPr lang="en-CA" dirty="0"/>
               <a:t>This is the interaction. The</a:t>
             </a:r>
             <a:r>
-              <a:rPr lang="en-CA" baseline="0" dirty="0" smtClean="0"/>
+              <a:rPr lang="en-CA" baseline="0" dirty="0"/>
               <a:t> main effect of environment was significant. </a:t>
             </a:r>
             <a:endParaRPr lang="en-CA" dirty="0"/>
@@ -651,6 +667,105 @@
     <p:extLst>
       <p:ext uri="{BB962C8B-B14F-4D97-AF65-F5344CB8AC3E}">
         <p14:creationId xmlns:p14="http://schemas.microsoft.com/office/powerpoint/2010/main" val="876423371"/>
+      </p:ext>
+    </p:extLst>
+  </p:cSld>
+  <p:clrMapOvr>
+    <a:masterClrMapping/>
+  </p:clrMapOvr>
+</p:notes>
+</file>
+
+<file path=ppt/notesSlides/notesSlide3.xml><?xml version="1.0" encoding="utf-8"?>
+<p:notes xmlns:a="http://schemas.openxmlformats.org/drawingml/2006/main" xmlns:r="http://schemas.openxmlformats.org/officeDocument/2006/relationships" xmlns:p="http://schemas.openxmlformats.org/presentationml/2006/main">
+  <p:cSld>
+    <p:spTree>
+      <p:nvGrpSpPr>
+        <p:cNvPr id="1" name=""/>
+        <p:cNvGrpSpPr/>
+        <p:nvPr/>
+      </p:nvGrpSpPr>
+      <p:grpSpPr>
+        <a:xfrm>
+          <a:off x="0" y="0"/>
+          <a:ext cx="0" cy="0"/>
+          <a:chOff x="0" y="0"/>
+          <a:chExt cx="0" cy="0"/>
+        </a:xfrm>
+      </p:grpSpPr>
+      <p:sp>
+        <p:nvSpPr>
+          <p:cNvPr id="2" name="Slide Image Placeholder 1"/>
+          <p:cNvSpPr>
+            <a:spLocks noGrp="1" noRot="1" noChangeAspect="1"/>
+          </p:cNvSpPr>
+          <p:nvPr>
+            <p:ph type="sldImg"/>
+          </p:nvPr>
+        </p:nvSpPr>
+        <p:spPr/>
+      </p:sp>
+      <p:sp>
+        <p:nvSpPr>
+          <p:cNvPr id="3" name="Notes Placeholder 2"/>
+          <p:cNvSpPr>
+            <a:spLocks noGrp="1"/>
+          </p:cNvSpPr>
+          <p:nvPr>
+            <p:ph type="body" idx="1"/>
+          </p:nvPr>
+        </p:nvSpPr>
+        <p:spPr/>
+        <p:txBody>
+          <a:bodyPr/>
+          <a:lstStyle/>
+          <a:p>
+            <a:r>
+              <a:rPr lang="en-US" dirty="0"/>
+              <a:t>- urban environments may be easy for us to navigate where we are able to identify the differences amongst the buildings where we may not be as used to rural differentiations</a:t>
+            </a:r>
+          </a:p>
+          <a:p>
+            <a:endParaRPr lang="en-US" dirty="0"/>
+          </a:p>
+          <a:p>
+            <a:r>
+              <a:rPr lang="en-US" dirty="0"/>
+              <a:t>Future studies:</a:t>
+            </a:r>
+          </a:p>
+          <a:p>
+            <a:endParaRPr lang="en-US" dirty="0"/>
+          </a:p>
+        </p:txBody>
+      </p:sp>
+      <p:sp>
+        <p:nvSpPr>
+          <p:cNvPr id="4" name="Slide Number Placeholder 3"/>
+          <p:cNvSpPr>
+            <a:spLocks noGrp="1"/>
+          </p:cNvSpPr>
+          <p:nvPr>
+            <p:ph type="sldNum" sz="quarter" idx="5"/>
+          </p:nvPr>
+        </p:nvSpPr>
+        <p:spPr/>
+        <p:txBody>
+          <a:bodyPr/>
+          <a:lstStyle/>
+          <a:p>
+            <a:fld id="{D16C3FD5-E829-4CCA-90E5-7633DC7CB563}" type="slidenum">
+              <a:rPr lang="en-CA" smtClean="0"/>
+              <a:t>6</a:t>
+            </a:fld>
+            <a:endParaRPr lang="en-CA"/>
+          </a:p>
+        </p:txBody>
+      </p:sp>
+    </p:spTree>
+    <p:extLst>
+      <p:ext uri="{BB962C8B-B14F-4D97-AF65-F5344CB8AC3E}">
+        <p14:creationId xmlns:p14="http://schemas.microsoft.com/office/powerpoint/2010/main" val="771744514"/>
       </p:ext>
     </p:extLst>
   </p:cSld>
@@ -698,7 +813,7 @@
           <a:lstStyle/>
           <a:p>
             <a:r>
-              <a:rPr lang="en-US" smtClean="0"/>
+              <a:rPr lang="en-US"/>
               <a:t>Click to edit Master title style</a:t>
             </a:r>
             <a:endParaRPr lang="en-CA"/>
@@ -817,7 +932,7 @@
           </a:lstStyle>
           <a:p>
             <a:r>
-              <a:rPr lang="en-US" smtClean="0"/>
+              <a:rPr lang="en-US"/>
               <a:t>Click to edit Master subtitle style</a:t>
             </a:r>
             <a:endParaRPr lang="en-CA"/>
@@ -841,7 +956,7 @@
           <a:p>
             <a:fld id="{B0EF172C-55A4-435B-8ED2-DE309884BD6D}" type="datetimeFigureOut">
               <a:rPr lang="en-CA" smtClean="0"/>
-              <a:t>04/05/2019</a:t>
+              <a:t>2019-05-04</a:t>
             </a:fld>
             <a:endParaRPr lang="en-CA"/>
           </a:p>
@@ -935,7 +1050,7 @@
           <a:lstStyle/>
           <a:p>
             <a:r>
-              <a:rPr lang="en-US" smtClean="0"/>
+              <a:rPr lang="en-US"/>
               <a:t>Click to edit Master title style</a:t>
             </a:r>
             <a:endParaRPr lang="en-CA"/>
@@ -959,35 +1074,35 @@
           <a:p>
             <a:pPr lvl="0"/>
             <a:r>
-              <a:rPr lang="en-US" smtClean="0"/>
+              <a:rPr lang="en-US"/>
               <a:t>Click to edit Master text styles</a:t>
             </a:r>
           </a:p>
           <a:p>
             <a:pPr lvl="1"/>
             <a:r>
-              <a:rPr lang="en-US" smtClean="0"/>
+              <a:rPr lang="en-US"/>
               <a:t>Second level</a:t>
             </a:r>
           </a:p>
           <a:p>
             <a:pPr lvl="2"/>
             <a:r>
-              <a:rPr lang="en-US" smtClean="0"/>
+              <a:rPr lang="en-US"/>
               <a:t>Third level</a:t>
             </a:r>
           </a:p>
           <a:p>
             <a:pPr lvl="3"/>
             <a:r>
-              <a:rPr lang="en-US" smtClean="0"/>
+              <a:rPr lang="en-US"/>
               <a:t>Fourth level</a:t>
             </a:r>
           </a:p>
           <a:p>
             <a:pPr lvl="4"/>
             <a:r>
-              <a:rPr lang="en-US" smtClean="0"/>
+              <a:rPr lang="en-US"/>
               <a:t>Fifth level</a:t>
             </a:r>
             <a:endParaRPr lang="en-CA"/>
@@ -1011,7 +1126,7 @@
           <a:p>
             <a:fld id="{B0EF172C-55A4-435B-8ED2-DE309884BD6D}" type="datetimeFigureOut">
               <a:rPr lang="en-CA" smtClean="0"/>
-              <a:t>04/05/2019</a:t>
+              <a:t>2019-05-04</a:t>
             </a:fld>
             <a:endParaRPr lang="en-CA"/>
           </a:p>
@@ -1110,7 +1225,7 @@
           <a:lstStyle/>
           <a:p>
             <a:r>
-              <a:rPr lang="en-US" smtClean="0"/>
+              <a:rPr lang="en-US"/>
               <a:t>Click to edit Master title style</a:t>
             </a:r>
             <a:endParaRPr lang="en-CA"/>
@@ -1139,35 +1254,35 @@
           <a:p>
             <a:pPr lvl="0"/>
             <a:r>
-              <a:rPr lang="en-US" smtClean="0"/>
+              <a:rPr lang="en-US"/>
               <a:t>Click to edit Master text styles</a:t>
             </a:r>
           </a:p>
           <a:p>
             <a:pPr lvl="1"/>
             <a:r>
-              <a:rPr lang="en-US" smtClean="0"/>
+              <a:rPr lang="en-US"/>
               <a:t>Second level</a:t>
             </a:r>
           </a:p>
           <a:p>
             <a:pPr lvl="2"/>
             <a:r>
-              <a:rPr lang="en-US" smtClean="0"/>
+              <a:rPr lang="en-US"/>
               <a:t>Third level</a:t>
             </a:r>
           </a:p>
           <a:p>
             <a:pPr lvl="3"/>
             <a:r>
-              <a:rPr lang="en-US" smtClean="0"/>
+              <a:rPr lang="en-US"/>
               <a:t>Fourth level</a:t>
             </a:r>
           </a:p>
           <a:p>
             <a:pPr lvl="4"/>
             <a:r>
-              <a:rPr lang="en-US" smtClean="0"/>
+              <a:rPr lang="en-US"/>
               <a:t>Fifth level</a:t>
             </a:r>
             <a:endParaRPr lang="en-CA"/>
@@ -1191,7 +1306,7 @@
           <a:p>
             <a:fld id="{B0EF172C-55A4-435B-8ED2-DE309884BD6D}" type="datetimeFigureOut">
               <a:rPr lang="en-CA" smtClean="0"/>
-              <a:t>04/05/2019</a:t>
+              <a:t>2019-05-04</a:t>
             </a:fld>
             <a:endParaRPr lang="en-CA"/>
           </a:p>
@@ -1285,7 +1400,7 @@
           <a:lstStyle/>
           <a:p>
             <a:r>
-              <a:rPr lang="en-US" smtClean="0"/>
+              <a:rPr lang="en-US"/>
               <a:t>Click to edit Master title style</a:t>
             </a:r>
             <a:endParaRPr lang="en-CA"/>
@@ -1309,35 +1424,35 @@
           <a:p>
             <a:pPr lvl="0"/>
             <a:r>
-              <a:rPr lang="en-US" smtClean="0"/>
+              <a:rPr lang="en-US"/>
               <a:t>Click to edit Master text styles</a:t>
             </a:r>
           </a:p>
           <a:p>
             <a:pPr lvl="1"/>
             <a:r>
-              <a:rPr lang="en-US" smtClean="0"/>
+              <a:rPr lang="en-US"/>
               <a:t>Second level</a:t>
             </a:r>
           </a:p>
           <a:p>
             <a:pPr lvl="2"/>
             <a:r>
-              <a:rPr lang="en-US" smtClean="0"/>
+              <a:rPr lang="en-US"/>
               <a:t>Third level</a:t>
             </a:r>
           </a:p>
           <a:p>
             <a:pPr lvl="3"/>
             <a:r>
-              <a:rPr lang="en-US" smtClean="0"/>
+              <a:rPr lang="en-US"/>
               <a:t>Fourth level</a:t>
             </a:r>
           </a:p>
           <a:p>
             <a:pPr lvl="4"/>
             <a:r>
-              <a:rPr lang="en-US" smtClean="0"/>
+              <a:rPr lang="en-US"/>
               <a:t>Fifth level</a:t>
             </a:r>
             <a:endParaRPr lang="en-CA"/>
@@ -1361,7 +1476,7 @@
           <a:p>
             <a:fld id="{B0EF172C-55A4-435B-8ED2-DE309884BD6D}" type="datetimeFigureOut">
               <a:rPr lang="en-CA" smtClean="0"/>
-              <a:t>04/05/2019</a:t>
+              <a:t>2019-05-04</a:t>
             </a:fld>
             <a:endParaRPr lang="en-CA"/>
           </a:p>
@@ -1464,7 +1579,7 @@
           </a:lstStyle>
           <a:p>
             <a:r>
-              <a:rPr lang="en-US" smtClean="0"/>
+              <a:rPr lang="en-US"/>
               <a:t>Click to edit Master title style</a:t>
             </a:r>
             <a:endParaRPr lang="en-CA"/>
@@ -1584,7 +1699,7 @@
           <a:p>
             <a:pPr lvl="0"/>
             <a:r>
-              <a:rPr lang="en-US" smtClean="0"/>
+              <a:rPr lang="en-US"/>
               <a:t>Click to edit Master text styles</a:t>
             </a:r>
           </a:p>
@@ -1607,7 +1722,7 @@
           <a:p>
             <a:fld id="{B0EF172C-55A4-435B-8ED2-DE309884BD6D}" type="datetimeFigureOut">
               <a:rPr lang="en-CA" smtClean="0"/>
-              <a:t>04/05/2019</a:t>
+              <a:t>2019-05-04</a:t>
             </a:fld>
             <a:endParaRPr lang="en-CA"/>
           </a:p>
@@ -1701,7 +1816,7 @@
           <a:lstStyle/>
           <a:p>
             <a:r>
-              <a:rPr lang="en-US" smtClean="0"/>
+              <a:rPr lang="en-US"/>
               <a:t>Click to edit Master title style</a:t>
             </a:r>
             <a:endParaRPr lang="en-CA"/>
@@ -1758,35 +1873,35 @@
           <a:p>
             <a:pPr lvl="0"/>
             <a:r>
-              <a:rPr lang="en-US" smtClean="0"/>
+              <a:rPr lang="en-US"/>
               <a:t>Click to edit Master text styles</a:t>
             </a:r>
           </a:p>
           <a:p>
             <a:pPr lvl="1"/>
             <a:r>
-              <a:rPr lang="en-US" smtClean="0"/>
+              <a:rPr lang="en-US"/>
               <a:t>Second level</a:t>
             </a:r>
           </a:p>
           <a:p>
             <a:pPr lvl="2"/>
             <a:r>
-              <a:rPr lang="en-US" smtClean="0"/>
+              <a:rPr lang="en-US"/>
               <a:t>Third level</a:t>
             </a:r>
           </a:p>
           <a:p>
             <a:pPr lvl="3"/>
             <a:r>
-              <a:rPr lang="en-US" smtClean="0"/>
+              <a:rPr lang="en-US"/>
               <a:t>Fourth level</a:t>
             </a:r>
           </a:p>
           <a:p>
             <a:pPr lvl="4"/>
             <a:r>
-              <a:rPr lang="en-US" smtClean="0"/>
+              <a:rPr lang="en-US"/>
               <a:t>Fifth level</a:t>
             </a:r>
             <a:endParaRPr lang="en-CA"/>
@@ -1843,35 +1958,35 @@
           <a:p>
             <a:pPr lvl="0"/>
             <a:r>
-              <a:rPr lang="en-US" smtClean="0"/>
+              <a:rPr lang="en-US"/>
               <a:t>Click to edit Master text styles</a:t>
             </a:r>
           </a:p>
           <a:p>
             <a:pPr lvl="1"/>
             <a:r>
-              <a:rPr lang="en-US" smtClean="0"/>
+              <a:rPr lang="en-US"/>
               <a:t>Second level</a:t>
             </a:r>
           </a:p>
           <a:p>
             <a:pPr lvl="2"/>
             <a:r>
-              <a:rPr lang="en-US" smtClean="0"/>
+              <a:rPr lang="en-US"/>
               <a:t>Third level</a:t>
             </a:r>
           </a:p>
           <a:p>
             <a:pPr lvl="3"/>
             <a:r>
-              <a:rPr lang="en-US" smtClean="0"/>
+              <a:rPr lang="en-US"/>
               <a:t>Fourth level</a:t>
             </a:r>
           </a:p>
           <a:p>
             <a:pPr lvl="4"/>
             <a:r>
-              <a:rPr lang="en-US" smtClean="0"/>
+              <a:rPr lang="en-US"/>
               <a:t>Fifth level</a:t>
             </a:r>
             <a:endParaRPr lang="en-CA"/>
@@ -1895,7 +2010,7 @@
           <a:p>
             <a:fld id="{B0EF172C-55A4-435B-8ED2-DE309884BD6D}" type="datetimeFigureOut">
               <a:rPr lang="en-CA" smtClean="0"/>
-              <a:t>04/05/2019</a:t>
+              <a:t>2019-05-04</a:t>
             </a:fld>
             <a:endParaRPr lang="en-CA"/>
           </a:p>
@@ -1993,7 +2108,7 @@
           </a:lstStyle>
           <a:p>
             <a:r>
-              <a:rPr lang="en-US" smtClean="0"/>
+              <a:rPr lang="en-US"/>
               <a:t>Click to edit Master title style</a:t>
             </a:r>
             <a:endParaRPr lang="en-CA"/>
@@ -2059,7 +2174,7 @@
           <a:p>
             <a:pPr lvl="0"/>
             <a:r>
-              <a:rPr lang="en-US" smtClean="0"/>
+              <a:rPr lang="en-US"/>
               <a:t>Click to edit Master text styles</a:t>
             </a:r>
           </a:p>
@@ -2115,35 +2230,35 @@
           <a:p>
             <a:pPr lvl="0"/>
             <a:r>
-              <a:rPr lang="en-US" smtClean="0"/>
+              <a:rPr lang="en-US"/>
               <a:t>Click to edit Master text styles</a:t>
             </a:r>
           </a:p>
           <a:p>
             <a:pPr lvl="1"/>
             <a:r>
-              <a:rPr lang="en-US" smtClean="0"/>
+              <a:rPr lang="en-US"/>
               <a:t>Second level</a:t>
             </a:r>
           </a:p>
           <a:p>
             <a:pPr lvl="2"/>
             <a:r>
-              <a:rPr lang="en-US" smtClean="0"/>
+              <a:rPr lang="en-US"/>
               <a:t>Third level</a:t>
             </a:r>
           </a:p>
           <a:p>
             <a:pPr lvl="3"/>
             <a:r>
-              <a:rPr lang="en-US" smtClean="0"/>
+              <a:rPr lang="en-US"/>
               <a:t>Fourth level</a:t>
             </a:r>
           </a:p>
           <a:p>
             <a:pPr lvl="4"/>
             <a:r>
-              <a:rPr lang="en-US" smtClean="0"/>
+              <a:rPr lang="en-US"/>
               <a:t>Fifth level</a:t>
             </a:r>
             <a:endParaRPr lang="en-CA"/>
@@ -2209,7 +2324,7 @@
           <a:p>
             <a:pPr lvl="0"/>
             <a:r>
-              <a:rPr lang="en-US" smtClean="0"/>
+              <a:rPr lang="en-US"/>
               <a:t>Click to edit Master text styles</a:t>
             </a:r>
           </a:p>
@@ -2265,35 +2380,35 @@
           <a:p>
             <a:pPr lvl="0"/>
             <a:r>
-              <a:rPr lang="en-US" smtClean="0"/>
+              <a:rPr lang="en-US"/>
               <a:t>Click to edit Master text styles</a:t>
             </a:r>
           </a:p>
           <a:p>
             <a:pPr lvl="1"/>
             <a:r>
-              <a:rPr lang="en-US" smtClean="0"/>
+              <a:rPr lang="en-US"/>
               <a:t>Second level</a:t>
             </a:r>
           </a:p>
           <a:p>
             <a:pPr lvl="2"/>
             <a:r>
-              <a:rPr lang="en-US" smtClean="0"/>
+              <a:rPr lang="en-US"/>
               <a:t>Third level</a:t>
             </a:r>
           </a:p>
           <a:p>
             <a:pPr lvl="3"/>
             <a:r>
-              <a:rPr lang="en-US" smtClean="0"/>
+              <a:rPr lang="en-US"/>
               <a:t>Fourth level</a:t>
             </a:r>
           </a:p>
           <a:p>
             <a:pPr lvl="4"/>
             <a:r>
-              <a:rPr lang="en-US" smtClean="0"/>
+              <a:rPr lang="en-US"/>
               <a:t>Fifth level</a:t>
             </a:r>
             <a:endParaRPr lang="en-CA"/>
@@ -2317,7 +2432,7 @@
           <a:p>
             <a:fld id="{B0EF172C-55A4-435B-8ED2-DE309884BD6D}" type="datetimeFigureOut">
               <a:rPr lang="en-CA" smtClean="0"/>
-              <a:t>04/05/2019</a:t>
+              <a:t>2019-05-04</a:t>
             </a:fld>
             <a:endParaRPr lang="en-CA"/>
           </a:p>
@@ -2411,7 +2526,7 @@
           <a:lstStyle/>
           <a:p>
             <a:r>
-              <a:rPr lang="en-US" smtClean="0"/>
+              <a:rPr lang="en-US"/>
               <a:t>Click to edit Master title style</a:t>
             </a:r>
             <a:endParaRPr lang="en-CA"/>
@@ -2435,7 +2550,7 @@
           <a:p>
             <a:fld id="{B0EF172C-55A4-435B-8ED2-DE309884BD6D}" type="datetimeFigureOut">
               <a:rPr lang="en-CA" smtClean="0"/>
-              <a:t>04/05/2019</a:t>
+              <a:t>2019-05-04</a:t>
             </a:fld>
             <a:endParaRPr lang="en-CA"/>
           </a:p>
@@ -2530,7 +2645,7 @@
           <a:p>
             <a:fld id="{B0EF172C-55A4-435B-8ED2-DE309884BD6D}" type="datetimeFigureOut">
               <a:rPr lang="en-CA" smtClean="0"/>
-              <a:t>04/05/2019</a:t>
+              <a:t>2019-05-04</a:t>
             </a:fld>
             <a:endParaRPr lang="en-CA"/>
           </a:p>
@@ -2633,7 +2748,7 @@
           </a:lstStyle>
           <a:p>
             <a:r>
-              <a:rPr lang="en-US" smtClean="0"/>
+              <a:rPr lang="en-US"/>
               <a:t>Click to edit Master title style</a:t>
             </a:r>
             <a:endParaRPr lang="en-CA"/>
@@ -2690,35 +2805,35 @@
           <a:p>
             <a:pPr lvl="0"/>
             <a:r>
-              <a:rPr lang="en-US" smtClean="0"/>
+              <a:rPr lang="en-US"/>
               <a:t>Click to edit Master text styles</a:t>
             </a:r>
           </a:p>
           <a:p>
             <a:pPr lvl="1"/>
             <a:r>
-              <a:rPr lang="en-US" smtClean="0"/>
+              <a:rPr lang="en-US"/>
               <a:t>Second level</a:t>
             </a:r>
           </a:p>
           <a:p>
             <a:pPr lvl="2"/>
             <a:r>
-              <a:rPr lang="en-US" smtClean="0"/>
+              <a:rPr lang="en-US"/>
               <a:t>Third level</a:t>
             </a:r>
           </a:p>
           <a:p>
             <a:pPr lvl="3"/>
             <a:r>
-              <a:rPr lang="en-US" smtClean="0"/>
+              <a:rPr lang="en-US"/>
               <a:t>Fourth level</a:t>
             </a:r>
           </a:p>
           <a:p>
             <a:pPr lvl="4"/>
             <a:r>
-              <a:rPr lang="en-US" smtClean="0"/>
+              <a:rPr lang="en-US"/>
               <a:t>Fifth level</a:t>
             </a:r>
             <a:endParaRPr lang="en-CA"/>
@@ -2784,7 +2899,7 @@
           <a:p>
             <a:pPr lvl="0"/>
             <a:r>
-              <a:rPr lang="en-US" smtClean="0"/>
+              <a:rPr lang="en-US"/>
               <a:t>Click to edit Master text styles</a:t>
             </a:r>
           </a:p>
@@ -2807,7 +2922,7 @@
           <a:p>
             <a:fld id="{B0EF172C-55A4-435B-8ED2-DE309884BD6D}" type="datetimeFigureOut">
               <a:rPr lang="en-CA" smtClean="0"/>
-              <a:t>04/05/2019</a:t>
+              <a:t>2019-05-04</a:t>
             </a:fld>
             <a:endParaRPr lang="en-CA"/>
           </a:p>
@@ -2910,7 +3025,7 @@
           </a:lstStyle>
           <a:p>
             <a:r>
-              <a:rPr lang="en-US" smtClean="0"/>
+              <a:rPr lang="en-US"/>
               <a:t>Click to edit Master title style</a:t>
             </a:r>
             <a:endParaRPr lang="en-CA"/>
@@ -3037,7 +3152,7 @@
           <a:p>
             <a:pPr lvl="0"/>
             <a:r>
-              <a:rPr lang="en-US" smtClean="0"/>
+              <a:rPr lang="en-US"/>
               <a:t>Click to edit Master text styles</a:t>
             </a:r>
           </a:p>
@@ -3060,7 +3175,7 @@
           <a:p>
             <a:fld id="{B0EF172C-55A4-435B-8ED2-DE309884BD6D}" type="datetimeFigureOut">
               <a:rPr lang="en-CA" smtClean="0"/>
-              <a:t>04/05/2019</a:t>
+              <a:t>2019-05-04</a:t>
             </a:fld>
             <a:endParaRPr lang="en-CA"/>
           </a:p>
@@ -3169,7 +3284,7 @@
           <a:lstStyle/>
           <a:p>
             <a:r>
-              <a:rPr lang="en-US" smtClean="0"/>
+              <a:rPr lang="en-US"/>
               <a:t>Click to edit Master title style</a:t>
             </a:r>
             <a:endParaRPr lang="en-CA"/>
@@ -3203,35 +3318,35 @@
           <a:p>
             <a:pPr lvl="0"/>
             <a:r>
-              <a:rPr lang="en-US" smtClean="0"/>
+              <a:rPr lang="en-US"/>
               <a:t>Click to edit Master text styles</a:t>
             </a:r>
           </a:p>
           <a:p>
             <a:pPr lvl="1"/>
             <a:r>
-              <a:rPr lang="en-US" smtClean="0"/>
+              <a:rPr lang="en-US"/>
               <a:t>Second level</a:t>
             </a:r>
           </a:p>
           <a:p>
             <a:pPr lvl="2"/>
             <a:r>
-              <a:rPr lang="en-US" smtClean="0"/>
+              <a:rPr lang="en-US"/>
               <a:t>Third level</a:t>
             </a:r>
           </a:p>
           <a:p>
             <a:pPr lvl="3"/>
             <a:r>
-              <a:rPr lang="en-US" smtClean="0"/>
+              <a:rPr lang="en-US"/>
               <a:t>Fourth level</a:t>
             </a:r>
           </a:p>
           <a:p>
             <a:pPr lvl="4"/>
             <a:r>
-              <a:rPr lang="en-US" smtClean="0"/>
+              <a:rPr lang="en-US"/>
               <a:t>Fifth level</a:t>
             </a:r>
             <a:endParaRPr lang="en-CA"/>
@@ -3273,7 +3388,7 @@
           <a:p>
             <a:fld id="{B0EF172C-55A4-435B-8ED2-DE309884BD6D}" type="datetimeFigureOut">
               <a:rPr lang="en-CA" smtClean="0"/>
-              <a:t>04/05/2019</a:t>
+              <a:t>2019-05-04</a:t>
             </a:fld>
             <a:endParaRPr lang="en-CA"/>
           </a:p>
@@ -3669,29 +3784,29 @@
           <a:lstStyle/>
           <a:p>
             <a:r>
-              <a:rPr lang="en-CA" dirty="0" smtClean="0"/>
+              <a:rPr lang="en-CA" dirty="0"/>
               <a:t>Kay </a:t>
             </a:r>
             <a:r>
-              <a:rPr lang="en-CA" dirty="0" err="1" smtClean="0"/>
+              <a:rPr lang="en-CA" dirty="0" err="1"/>
               <a:t>Otsubo</a:t>
             </a:r>
-            <a:endParaRPr lang="en-CA" dirty="0" smtClean="0"/>
-          </a:p>
-          <a:p>
-            <a:r>
-              <a:rPr lang="en-CA" dirty="0" smtClean="0"/>
+            <a:endParaRPr lang="en-CA" dirty="0"/>
+          </a:p>
+          <a:p>
+            <a:r>
+              <a:rPr lang="en-CA" dirty="0"/>
               <a:t>Priscilla Fung</a:t>
             </a:r>
           </a:p>
           <a:p>
             <a:r>
-              <a:rPr lang="en-CA" dirty="0" smtClean="0"/>
+              <a:rPr lang="en-CA" dirty="0"/>
               <a:t>Prateek Dhamija</a:t>
             </a:r>
           </a:p>
           <a:p>
-            <a:endParaRPr lang="en-CA" dirty="0" smtClean="0"/>
+            <a:endParaRPr lang="en-CA" dirty="0"/>
           </a:p>
         </p:txBody>
       </p:sp>
@@ -3909,17 +4024,30 @@
           <a:p>
             <a:pPr algn="ctr"/>
             <a:r>
-              <a:rPr lang="en-CA" sz="4400" dirty="0" smtClean="0"/>
+              <a:rPr lang="en-CA" sz="4400" dirty="0">
+                <a:solidFill>
+                  <a:schemeClr val="tx1">
+                    <a:lumMod val="85000"/>
+                    <a:lumOff val="15000"/>
+                  </a:schemeClr>
+                </a:solidFill>
+              </a:rPr>
               <a:t>Spatial Navigation </a:t>
             </a:r>
           </a:p>
           <a:p>
             <a:pPr algn="ctr"/>
             <a:r>
-              <a:rPr lang="en-CA" sz="4400" dirty="0" smtClean="0"/>
+              <a:rPr lang="en-CA" sz="4400" dirty="0">
+                <a:solidFill>
+                  <a:schemeClr val="tx1">
+                    <a:lumMod val="85000"/>
+                    <a:lumOff val="15000"/>
+                  </a:schemeClr>
+                </a:solidFill>
+              </a:rPr>
               <a:t>Data</a:t>
             </a:r>
-            <a:endParaRPr lang="en-CA" sz="4400" dirty="0"/>
           </a:p>
         </p:txBody>
       </p:sp>
@@ -3973,7 +4101,7 @@
           <a:lstStyle/>
           <a:p>
             <a:r>
-              <a:rPr lang="en-CA" b="1" dirty="0" smtClean="0">
+              <a:rPr lang="en-CA" b="1" dirty="0">
                 <a:solidFill>
                   <a:schemeClr val="accent6">
                     <a:lumMod val="75000"/>
@@ -3982,13 +4110,6 @@
               </a:rPr>
               <a:t>Introduction</a:t>
             </a:r>
-            <a:endParaRPr lang="en-CA" b="1" dirty="0">
-              <a:solidFill>
-                <a:schemeClr val="accent6">
-                  <a:lumMod val="75000"/>
-                </a:schemeClr>
-              </a:solidFill>
-            </a:endParaRPr>
           </a:p>
         </p:txBody>
       </p:sp>
@@ -4015,7 +4136,7 @@
           <a:lstStyle/>
           <a:p>
             <a:r>
-              <a:rPr lang="en-CA" b="1" dirty="0" smtClean="0">
+              <a:rPr lang="en-CA" b="1" dirty="0">
                 <a:solidFill>
                   <a:schemeClr val="accent6">
                     <a:lumMod val="75000"/>
@@ -4025,21 +4146,21 @@
               <a:t>Question</a:t>
             </a:r>
             <a:r>
-              <a:rPr lang="en-CA" dirty="0" smtClean="0"/>
+              <a:rPr lang="en-CA" dirty="0"/>
               <a:t>: Are participants more likely to remember items that are congruent with their environment?</a:t>
             </a:r>
           </a:p>
           <a:p>
             <a:pPr lvl="1"/>
             <a:r>
-              <a:rPr lang="en-CA" dirty="0" smtClean="0"/>
+              <a:rPr lang="en-CA" dirty="0"/>
               <a:t>Natural Resources (food/water) in a Rural Environment</a:t>
             </a:r>
           </a:p>
           <a:p>
             <a:pPr lvl="1"/>
             <a:r>
-              <a:rPr lang="en-CA" dirty="0" smtClean="0"/>
+              <a:rPr lang="en-CA" dirty="0"/>
               <a:t>Artifacts (money) in an Urban Environment</a:t>
             </a:r>
           </a:p>
@@ -4047,11 +4168,11 @@
             <a:pPr marL="457200" lvl="1" indent="0">
               <a:buNone/>
             </a:pPr>
-            <a:endParaRPr lang="en-CA" dirty="0" smtClean="0"/>
-          </a:p>
-          <a:p>
-            <a:r>
-              <a:rPr lang="en-CA" b="1" dirty="0" smtClean="0">
+            <a:endParaRPr lang="en-CA" dirty="0"/>
+          </a:p>
+          <a:p>
+            <a:r>
+              <a:rPr lang="en-CA" b="1" dirty="0">
                 <a:solidFill>
                   <a:schemeClr val="accent6">
                     <a:lumMod val="75000"/>
@@ -4061,7 +4182,7 @@
               <a:t>Hypothesis</a:t>
             </a:r>
             <a:r>
-              <a:rPr lang="en-CA" dirty="0" smtClean="0"/>
+              <a:rPr lang="en-CA" dirty="0"/>
               <a:t>: There will be a greater memory (Bhattacharyya coefficient) for items that are congruent with their environment</a:t>
             </a:r>
           </a:p>
@@ -4077,13 +4198,6 @@
   <p:clrMapOvr>
     <a:masterClrMapping/>
   </p:clrMapOvr>
-  <p:timing>
-    <p:tnLst>
-      <p:par>
-        <p:cTn id="1" dur="indefinite" restart="never" nodeType="tmRoot"/>
-      </p:par>
-    </p:tnLst>
-  </p:timing>
 </p:sld>
 </file>
 
@@ -4125,7 +4239,7 @@
           <a:lstStyle/>
           <a:p>
             <a:r>
-              <a:rPr lang="en-CA" b="1" dirty="0" smtClean="0">
+              <a:rPr lang="en-CA" b="1" dirty="0">
                 <a:solidFill>
                   <a:schemeClr val="accent6">
                     <a:lumMod val="75000"/>
@@ -4134,13 +4248,6 @@
               </a:rPr>
               <a:t>Method</a:t>
             </a:r>
-            <a:endParaRPr lang="en-CA" b="1" dirty="0">
-              <a:solidFill>
-                <a:schemeClr val="accent6">
-                  <a:lumMod val="75000"/>
-                </a:schemeClr>
-              </a:solidFill>
-            </a:endParaRPr>
           </a:p>
         </p:txBody>
       </p:sp>
@@ -4173,10 +4280,9 @@
           <a:p>
             <a:pPr algn="ctr"/>
             <a:r>
-              <a:rPr lang="en-CA" sz="2800" b="1" dirty="0" smtClean="0"/>
+              <a:rPr lang="en-CA" sz="2800" b="1" dirty="0"/>
               <a:t>Pre-Cleaned Data</a:t>
             </a:r>
-            <a:endParaRPr lang="en-CA" sz="2800" b="1" dirty="0"/>
           </a:p>
         </p:txBody>
       </p:sp>
@@ -4209,14 +4315,14 @@
           <a:p>
             <a:pPr algn="ctr"/>
             <a:r>
-              <a:rPr lang="en-CA" sz="2800" b="1" dirty="0" smtClean="0"/>
+              <a:rPr lang="en-CA" sz="2800" b="1" dirty="0"/>
               <a:t>Removed </a:t>
             </a:r>
           </a:p>
           <a:p>
             <a:pPr algn="ctr"/>
             <a:r>
-              <a:rPr lang="en-CA" sz="2800" b="1" dirty="0" smtClean="0"/>
+              <a:rPr lang="en-CA" sz="2800" b="1" dirty="0"/>
               <a:t>P28</a:t>
             </a:r>
           </a:p>
@@ -4251,10 +4357,9 @@
           <a:p>
             <a:pPr algn="ctr"/>
             <a:r>
-              <a:rPr lang="en-CA" sz="2800" b="1" dirty="0" smtClean="0"/>
+              <a:rPr lang="en-CA" sz="2800" b="1" dirty="0"/>
               <a:t>Follow-up Data Cleaning</a:t>
             </a:r>
-            <a:endParaRPr lang="en-CA" sz="2800" b="1" dirty="0"/>
           </a:p>
         </p:txBody>
       </p:sp>
@@ -4397,26 +4502,9 @@
           <a:p>
             <a:pPr algn="ctr"/>
             <a:r>
-              <a:rPr lang="en-CA" sz="2800" b="1" dirty="0" smtClean="0"/>
-              <a:t>Calculated </a:t>
-            </a:r>
-            <a:r>
               <a:rPr lang="en-CA" sz="2800" b="1" dirty="0"/>
-              <a:t>B</a:t>
-            </a:r>
-            <a:r>
-              <a:rPr lang="en-CA" sz="2800" b="1" dirty="0" smtClean="0"/>
-              <a:t>hattacharyya </a:t>
-            </a:r>
-            <a:r>
-              <a:rPr lang="en-CA" sz="2800" b="1" dirty="0"/>
-              <a:t>C</a:t>
-            </a:r>
-            <a:r>
-              <a:rPr lang="en-CA" sz="2800" b="1" dirty="0" smtClean="0"/>
-              <a:t>oefficient</a:t>
-            </a:r>
-            <a:endParaRPr lang="en-CA" sz="2800" b="1" dirty="0"/>
+              <a:t>Calculated Bhattacharyya Coefficient</a:t>
+            </a:r>
           </a:p>
         </p:txBody>
       </p:sp>
@@ -4504,7 +4592,7 @@
           <a:p>
             <a:pPr algn="ctr"/>
             <a:r>
-              <a:rPr lang="en-CA" sz="2800" b="1" dirty="0" smtClean="0"/>
+              <a:rPr lang="en-CA" sz="2800" b="1" dirty="0"/>
               <a:t>Created a Summary Dataframe</a:t>
             </a:r>
           </a:p>
@@ -4594,14 +4682,14 @@
           <a:p>
             <a:pPr algn="ctr"/>
             <a:r>
-              <a:rPr lang="en-CA" sz="2800" b="1" dirty="0" smtClean="0"/>
+              <a:rPr lang="en-CA" sz="2800" b="1" dirty="0"/>
               <a:t>2 x 3 ANOVA</a:t>
             </a:r>
           </a:p>
           <a:p>
             <a:pPr algn="ctr"/>
             <a:r>
-              <a:rPr lang="en-CA" sz="2800" b="1" dirty="0" smtClean="0"/>
+              <a:rPr lang="en-CA" sz="2800" b="1" dirty="0"/>
               <a:t>Figures</a:t>
             </a:r>
           </a:p>
@@ -4672,13 +4760,6 @@
   <p:clrMapOvr>
     <a:masterClrMapping/>
   </p:clrMapOvr>
-  <p:timing>
-    <p:tnLst>
-      <p:par>
-        <p:cTn id="1" dur="indefinite" restart="never" nodeType="tmRoot"/>
-      </p:par>
-    </p:tnLst>
-  </p:timing>
 </p:sld>
 </file>
 
@@ -4715,7 +4796,7 @@
           <a:lstStyle/>
           <a:p>
             <a:r>
-              <a:rPr lang="en-CA" b="1" dirty="0" smtClean="0">
+              <a:rPr lang="en-CA" b="1" dirty="0">
                 <a:solidFill>
                   <a:schemeClr val="accent6">
                     <a:lumMod val="75000"/>
@@ -4724,13 +4805,6 @@
               </a:rPr>
               <a:t>Results</a:t>
             </a:r>
-            <a:endParaRPr lang="en-CA" b="1" dirty="0">
-              <a:solidFill>
-                <a:schemeClr val="accent6">
-                  <a:lumMod val="75000"/>
-                </a:schemeClr>
-              </a:solidFill>
-            </a:endParaRPr>
           </a:p>
         </p:txBody>
       </p:sp>
@@ -4739,7 +4813,7 @@
           <p:cNvPr id="4" name="Picture 3">
             <a:extLst>
               <a:ext uri="{FF2B5EF4-FFF2-40B4-BE49-F238E27FC236}">
-                <a16:creationId xmlns:a16="http://schemas.microsoft.com/office/drawing/2014/main" xmlns="" id="{C8D9AA40-7927-0F41-AF21-5C3EF4ADFBDB}"/>
+                <a16:creationId xmlns:a16="http://schemas.microsoft.com/office/drawing/2014/main" id="{C8D9AA40-7927-0F41-AF21-5C3EF4ADFBDB}"/>
               </a:ext>
             </a:extLst>
           </p:cNvPr>
@@ -4764,8 +4838,8 @@
           </a:prstGeom>
         </p:spPr>
       </p:pic>
-      <mc:AlternateContent xmlns:mc="http://schemas.openxmlformats.org/markup-compatibility/2006">
-        <mc:Choice xmlns:a14="http://schemas.microsoft.com/office/drawing/2010/main" Requires="a14">
+      <mc:AlternateContent xmlns:mc="http://schemas.openxmlformats.org/markup-compatibility/2006" xmlns:a14="http://schemas.microsoft.com/office/drawing/2010/main">
+        <mc:Choice Requires="a14">
           <p:sp>
             <p:nvSpPr>
               <p:cNvPr id="5" name="TextBox 4"/>
@@ -4789,7 +4863,7 @@
               <a:lstStyle/>
               <a:p>
                 <a:r>
-                  <a:rPr lang="en-CA" dirty="0" smtClean="0"/>
+                  <a:rPr lang="en-CA" dirty="0"/>
                   <a:t>Interaction: </a:t>
                 </a:r>
                 <a14:m>
@@ -4825,7 +4899,7 @@
             </p:txBody>
           </p:sp>
         </mc:Choice>
-        <mc:Fallback>
+        <mc:Fallback xmlns="">
           <p:sp>
             <p:nvSpPr>
               <p:cNvPr id="5" name="TextBox 4"/>
@@ -4864,8 +4938,8 @@
           </p:sp>
         </mc:Fallback>
       </mc:AlternateContent>
-      <mc:AlternateContent xmlns:mc="http://schemas.openxmlformats.org/markup-compatibility/2006">
-        <mc:Choice xmlns:a14="http://schemas.microsoft.com/office/drawing/2010/main" Requires="a14">
+      <mc:AlternateContent xmlns:mc="http://schemas.openxmlformats.org/markup-compatibility/2006" xmlns:a14="http://schemas.microsoft.com/office/drawing/2010/main">
+        <mc:Choice Requires="a14">
           <p:sp>
             <p:nvSpPr>
               <p:cNvPr id="6" name="TextBox 5"/>
@@ -4890,11 +4964,7 @@
               <a:p>
                 <a:r>
                   <a:rPr lang="en-CA" dirty="0"/>
-                  <a:t>M</a:t>
-                </a:r>
-                <a:r>
-                  <a:rPr lang="en-CA" dirty="0" smtClean="0"/>
-                  <a:t>ain Effect: </a:t>
+                  <a:t>Main Effect: </a:t>
                 </a:r>
                 <a14:m>
                   <m:oMath xmlns:m="http://schemas.openxmlformats.org/officeDocument/2006/math">
@@ -4908,7 +4978,7 @@
                       <m:dPr>
                         <m:ctrlPr>
                           <a:rPr lang="en-CA" i="1" dirty="0" smtClean="0">
-                            <a:latin typeface="Cambria Math"/>
+                            <a:latin typeface="Cambria Math" panose="02040503050406030204" pitchFamily="18" charset="0"/>
                           </a:rPr>
                         </m:ctrlPr>
                       </m:dPr>
@@ -4976,7 +5046,7 @@
             </p:txBody>
           </p:sp>
         </mc:Choice>
-        <mc:Fallback>
+        <mc:Fallback xmlns="">
           <p:sp>
             <p:nvSpPr>
               <p:cNvPr id="6" name="TextBox 5"/>
@@ -5025,13 +5095,6 @@
   <p:clrMapOvr>
     <a:masterClrMapping/>
   </p:clrMapOvr>
-  <p:timing>
-    <p:tnLst>
-      <p:par>
-        <p:cTn id="1" dur="indefinite" restart="never" nodeType="tmRoot"/>
-      </p:par>
-    </p:tnLst>
-  </p:timing>
 </p:sld>
 </file>
 
@@ -5068,7 +5131,7 @@
           <a:lstStyle/>
           <a:p>
             <a:r>
-              <a:rPr lang="en-CA" b="1" dirty="0" smtClean="0">
+              <a:rPr lang="en-CA" b="1" dirty="0">
                 <a:solidFill>
                   <a:schemeClr val="accent6">
                     <a:lumMod val="75000"/>
@@ -5077,13 +5140,6 @@
               </a:rPr>
               <a:t>Results</a:t>
             </a:r>
-            <a:endParaRPr lang="en-CA" b="1" dirty="0">
-              <a:solidFill>
-                <a:schemeClr val="accent6">
-                  <a:lumMod val="75000"/>
-                </a:schemeClr>
-              </a:solidFill>
-            </a:endParaRPr>
           </a:p>
         </p:txBody>
       </p:sp>
@@ -5092,7 +5148,7 @@
           <p:cNvPr id="4" name="Picture 3">
             <a:extLst>
               <a:ext uri="{FF2B5EF4-FFF2-40B4-BE49-F238E27FC236}">
-                <a16:creationId xmlns:a16="http://schemas.microsoft.com/office/drawing/2014/main" xmlns="" id="{76C3CB6E-1FBF-4848-9155-E7E23D7258D1}"/>
+                <a16:creationId xmlns:a16="http://schemas.microsoft.com/office/drawing/2014/main" id="{76C3CB6E-1FBF-4848-9155-E7E23D7258D1}"/>
               </a:ext>
             </a:extLst>
           </p:cNvPr>
@@ -5140,15 +5196,14 @@
           <a:lstStyle/>
           <a:p>
             <a:r>
-              <a:rPr lang="en-CA" sz="3200" b="1" dirty="0" smtClean="0"/>
+              <a:rPr lang="en-CA" sz="3200" b="1" dirty="0"/>
               <a:t>*</a:t>
             </a:r>
-            <a:endParaRPr lang="en-CA" sz="3200" b="1" dirty="0"/>
-          </a:p>
-        </p:txBody>
-      </p:sp>
-      <mc:AlternateContent xmlns:mc="http://schemas.openxmlformats.org/markup-compatibility/2006">
-        <mc:Choice xmlns:a14="http://schemas.microsoft.com/office/drawing/2010/main" Requires="a14">
+          </a:p>
+        </p:txBody>
+      </p:sp>
+      <mc:AlternateContent xmlns:mc="http://schemas.openxmlformats.org/markup-compatibility/2006" xmlns:a14="http://schemas.microsoft.com/office/drawing/2010/main">
+        <mc:Choice Requires="a14">
           <p:sp>
             <p:nvSpPr>
               <p:cNvPr id="6" name="TextBox 5"/>
@@ -5171,6 +5226,7 @@
               </a:bodyPr>
               <a:lstStyle/>
               <a:p>
+                <a:pPr/>
                 <a14:m>
                   <m:oMathPara xmlns:m="http://schemas.openxmlformats.org/officeDocument/2006/math">
                     <m:oMathParaPr>
@@ -5209,7 +5265,7 @@
             </p:txBody>
           </p:sp>
         </mc:Choice>
-        <mc:Fallback>
+        <mc:Fallback xmlns="">
           <p:sp>
             <p:nvSpPr>
               <p:cNvPr id="6" name="TextBox 5"/>
@@ -5258,13 +5314,6 @@
   <p:clrMapOvr>
     <a:masterClrMapping/>
   </p:clrMapOvr>
-  <p:timing>
-    <p:tnLst>
-      <p:par>
-        <p:cTn id="1" dur="indefinite" restart="never" nodeType="tmRoot"/>
-      </p:par>
-    </p:tnLst>
-  </p:timing>
 </p:sld>
 </file>
 
@@ -5294,7 +5343,7 @@
           <p:nvPr/>
         </p:nvPicPr>
         <p:blipFill rotWithShape="1">
-          <a:blip r:embed="rId2">
+          <a:blip r:embed="rId3">
             <a:extLst>
               <a:ext uri="{28A0092B-C50C-407E-A947-70E740481C1C}">
                 <a14:useLocalDpi xmlns:a14="http://schemas.microsoft.com/office/drawing/2010/main" val="0"/>
@@ -5353,7 +5402,7 @@
           <a:lstStyle/>
           <a:p>
             <a:r>
-              <a:rPr lang="en-CA" b="1" dirty="0" smtClean="0">
+              <a:rPr lang="en-CA" b="1" dirty="0">
                 <a:solidFill>
                   <a:schemeClr val="accent6">
                     <a:lumMod val="75000"/>
@@ -5362,13 +5411,6 @@
               </a:rPr>
               <a:t>Conclusion</a:t>
             </a:r>
-            <a:endParaRPr lang="en-CA" b="1" dirty="0">
-              <a:solidFill>
-                <a:schemeClr val="accent6">
-                  <a:lumMod val="75000"/>
-                </a:schemeClr>
-              </a:solidFill>
-            </a:endParaRPr>
           </a:p>
         </p:txBody>
       </p:sp>
@@ -5395,39 +5437,39 @@
           <a:lstStyle/>
           <a:p>
             <a:r>
-              <a:rPr lang="en-CA" dirty="0" smtClean="0"/>
+              <a:rPr lang="en-CA" dirty="0"/>
               <a:t>Item-Environment congruency has no impact on learning</a:t>
             </a:r>
           </a:p>
           <a:p>
             <a:r>
-              <a:rPr lang="en-CA" dirty="0" smtClean="0"/>
+              <a:rPr lang="en-CA" dirty="0"/>
               <a:t>Participants tend to do better in urban environment</a:t>
             </a:r>
           </a:p>
           <a:p>
-            <a:endParaRPr lang="en-CA" dirty="0" smtClean="0"/>
-          </a:p>
-          <a:p>
-            <a:r>
-              <a:rPr lang="en-CA" dirty="0" smtClean="0"/>
+            <a:endParaRPr lang="en-CA" dirty="0"/>
+          </a:p>
+          <a:p>
+            <a:r>
+              <a:rPr lang="en-CA" dirty="0"/>
               <a:t>This could be due to all participants living in urban environments</a:t>
             </a:r>
           </a:p>
           <a:p>
             <a:pPr lvl="1"/>
             <a:r>
-              <a:rPr lang="en-CA" dirty="0" smtClean="0"/>
+              <a:rPr lang="en-CA" dirty="0"/>
               <a:t>Money is required for food and water</a:t>
             </a:r>
           </a:p>
           <a:p>
             <a:pPr lvl="1"/>
-            <a:endParaRPr lang="en-CA" dirty="0" smtClean="0"/>
+            <a:endParaRPr lang="en-CA" dirty="0"/>
           </a:p>
           <a:p>
             <a:pPr lvl="1"/>
-            <a:endParaRPr lang="en-CA" dirty="0" smtClean="0"/>
+            <a:endParaRPr lang="en-CA" dirty="0"/>
           </a:p>
         </p:txBody>
       </p:sp>
@@ -5484,10 +5526,9 @@
           <a:lstStyle/>
           <a:p>
             <a:r>
-              <a:rPr lang="en-CA" sz="6000" dirty="0" smtClean="0"/>
-              <a:t>Thank you for Listening!</a:t>
-            </a:r>
-            <a:endParaRPr lang="en-CA" sz="6000" dirty="0"/>
+              <a:rPr lang="en-CA" sz="6000" dirty="0"/>
+              <a:t>Thank you for listening!</a:t>
+            </a:r>
           </a:p>
         </p:txBody>
       </p:sp>
@@ -5531,13 +5572,6 @@
   <p:clrMapOvr>
     <a:masterClrMapping/>
   </p:clrMapOvr>
-  <p:timing>
-    <p:tnLst>
-      <p:par>
-        <p:cTn id="1" dur="indefinite" restart="never" nodeType="tmRoot"/>
-      </p:par>
-    </p:tnLst>
-  </p:timing>
 </p:sld>
 </file>
 

--- a/Presentation.pptx
+++ b/Presentation.pptx
@@ -5,16 +5,19 @@
     <p:sldMasterId id="2147483648" r:id="rId1"/>
   </p:sldMasterIdLst>
   <p:notesMasterIdLst>
-    <p:notesMasterId r:id="rId9"/>
+    <p:notesMasterId r:id="rId12"/>
   </p:notesMasterIdLst>
   <p:sldIdLst>
     <p:sldId id="256" r:id="rId2"/>
     <p:sldId id="258" r:id="rId3"/>
     <p:sldId id="257" r:id="rId4"/>
-    <p:sldId id="261" r:id="rId5"/>
-    <p:sldId id="259" r:id="rId6"/>
-    <p:sldId id="262" r:id="rId7"/>
-    <p:sldId id="260" r:id="rId8"/>
+    <p:sldId id="265" r:id="rId5"/>
+    <p:sldId id="263" r:id="rId6"/>
+    <p:sldId id="264" r:id="rId7"/>
+    <p:sldId id="261" r:id="rId8"/>
+    <p:sldId id="259" r:id="rId9"/>
+    <p:sldId id="262" r:id="rId10"/>
+    <p:sldId id="260" r:id="rId11"/>
   </p:sldIdLst>
   <p:sldSz cx="9144000" cy="6858000" type="screen4x3"/>
   <p:notesSz cx="6858000" cy="9144000"/>
@@ -115,7 +118,7 @@
   </p:defaultTextStyle>
   <p:extLst>
     <p:ext uri="{EFAFB233-063F-42B5-8137-9DF3F51BA10A}">
-      <p15:sldGuideLst xmlns:p15="http://schemas.microsoft.com/office/powerpoint/2012/main">
+      <p15:sldGuideLst xmlns:p15="http://schemas.microsoft.com/office/powerpoint/2012/main" xmlns="">
         <p15:guide id="1" orient="horz" pos="2160">
           <p15:clr>
             <a:srgbClr val="A4A3A4"/>
@@ -214,7 +217,7 @@
           <a:p>
             <a:fld id="{A6EADF31-7264-4730-8F54-22D8732FCB46}" type="datetimeFigureOut">
               <a:rPr lang="en-CA" smtClean="0"/>
-              <a:t>2019-05-04</a:t>
+              <a:t>04/05/2019</a:t>
             </a:fld>
             <a:endParaRPr lang="en-CA"/>
           </a:p>
@@ -657,7 +660,7 @@
           <a:p>
             <a:fld id="{D16C3FD5-E829-4CCA-90E5-7633DC7CB563}" type="slidenum">
               <a:rPr lang="en-CA" smtClean="0"/>
-              <a:t>4</a:t>
+              <a:t>7</a:t>
             </a:fld>
             <a:endParaRPr lang="en-CA"/>
           </a:p>
@@ -756,7 +759,7 @@
           <a:p>
             <a:fld id="{D16C3FD5-E829-4CCA-90E5-7633DC7CB563}" type="slidenum">
               <a:rPr lang="en-CA" smtClean="0"/>
-              <a:t>6</a:t>
+              <a:t>9</a:t>
             </a:fld>
             <a:endParaRPr lang="en-CA"/>
           </a:p>
@@ -956,7 +959,7 @@
           <a:p>
             <a:fld id="{B0EF172C-55A4-435B-8ED2-DE309884BD6D}" type="datetimeFigureOut">
               <a:rPr lang="en-CA" smtClean="0"/>
-              <a:t>2019-05-04</a:t>
+              <a:t>04/05/2019</a:t>
             </a:fld>
             <a:endParaRPr lang="en-CA"/>
           </a:p>
@@ -1126,7 +1129,7 @@
           <a:p>
             <a:fld id="{B0EF172C-55A4-435B-8ED2-DE309884BD6D}" type="datetimeFigureOut">
               <a:rPr lang="en-CA" smtClean="0"/>
-              <a:t>2019-05-04</a:t>
+              <a:t>04/05/2019</a:t>
             </a:fld>
             <a:endParaRPr lang="en-CA"/>
           </a:p>
@@ -1306,7 +1309,7 @@
           <a:p>
             <a:fld id="{B0EF172C-55A4-435B-8ED2-DE309884BD6D}" type="datetimeFigureOut">
               <a:rPr lang="en-CA" smtClean="0"/>
-              <a:t>2019-05-04</a:t>
+              <a:t>04/05/2019</a:t>
             </a:fld>
             <a:endParaRPr lang="en-CA"/>
           </a:p>
@@ -1476,7 +1479,7 @@
           <a:p>
             <a:fld id="{B0EF172C-55A4-435B-8ED2-DE309884BD6D}" type="datetimeFigureOut">
               <a:rPr lang="en-CA" smtClean="0"/>
-              <a:t>2019-05-04</a:t>
+              <a:t>04/05/2019</a:t>
             </a:fld>
             <a:endParaRPr lang="en-CA"/>
           </a:p>
@@ -1722,7 +1725,7 @@
           <a:p>
             <a:fld id="{B0EF172C-55A4-435B-8ED2-DE309884BD6D}" type="datetimeFigureOut">
               <a:rPr lang="en-CA" smtClean="0"/>
-              <a:t>2019-05-04</a:t>
+              <a:t>04/05/2019</a:t>
             </a:fld>
             <a:endParaRPr lang="en-CA"/>
           </a:p>
@@ -2010,7 +2013,7 @@
           <a:p>
             <a:fld id="{B0EF172C-55A4-435B-8ED2-DE309884BD6D}" type="datetimeFigureOut">
               <a:rPr lang="en-CA" smtClean="0"/>
-              <a:t>2019-05-04</a:t>
+              <a:t>04/05/2019</a:t>
             </a:fld>
             <a:endParaRPr lang="en-CA"/>
           </a:p>
@@ -2432,7 +2435,7 @@
           <a:p>
             <a:fld id="{B0EF172C-55A4-435B-8ED2-DE309884BD6D}" type="datetimeFigureOut">
               <a:rPr lang="en-CA" smtClean="0"/>
-              <a:t>2019-05-04</a:t>
+              <a:t>04/05/2019</a:t>
             </a:fld>
             <a:endParaRPr lang="en-CA"/>
           </a:p>
@@ -2550,7 +2553,7 @@
           <a:p>
             <a:fld id="{B0EF172C-55A4-435B-8ED2-DE309884BD6D}" type="datetimeFigureOut">
               <a:rPr lang="en-CA" smtClean="0"/>
-              <a:t>2019-05-04</a:t>
+              <a:t>04/05/2019</a:t>
             </a:fld>
             <a:endParaRPr lang="en-CA"/>
           </a:p>
@@ -2645,7 +2648,7 @@
           <a:p>
             <a:fld id="{B0EF172C-55A4-435B-8ED2-DE309884BD6D}" type="datetimeFigureOut">
               <a:rPr lang="en-CA" smtClean="0"/>
-              <a:t>2019-05-04</a:t>
+              <a:t>04/05/2019</a:t>
             </a:fld>
             <a:endParaRPr lang="en-CA"/>
           </a:p>
@@ -2922,7 +2925,7 @@
           <a:p>
             <a:fld id="{B0EF172C-55A4-435B-8ED2-DE309884BD6D}" type="datetimeFigureOut">
               <a:rPr lang="en-CA" smtClean="0"/>
-              <a:t>2019-05-04</a:t>
+              <a:t>04/05/2019</a:t>
             </a:fld>
             <a:endParaRPr lang="en-CA"/>
           </a:p>
@@ -3175,7 +3178,7 @@
           <a:p>
             <a:fld id="{B0EF172C-55A4-435B-8ED2-DE309884BD6D}" type="datetimeFigureOut">
               <a:rPr lang="en-CA" smtClean="0"/>
-              <a:t>2019-05-04</a:t>
+              <a:t>04/05/2019</a:t>
             </a:fld>
             <a:endParaRPr lang="en-CA"/>
           </a:p>
@@ -3388,7 +3391,7 @@
           <a:p>
             <a:fld id="{B0EF172C-55A4-435B-8ED2-DE309884BD6D}" type="datetimeFigureOut">
               <a:rPr lang="en-CA" smtClean="0"/>
-              <a:t>2019-05-04</a:t>
+              <a:t>04/05/2019</a:t>
             </a:fld>
             <a:endParaRPr lang="en-CA"/>
           </a:p>
@@ -4064,6 +4067,95 @@
 </p:sld>
 </file>
 
+<file path=ppt/slides/slide10.xml><?xml version="1.0" encoding="utf-8"?>
+<p:sld xmlns:a="http://schemas.openxmlformats.org/drawingml/2006/main" xmlns:r="http://schemas.openxmlformats.org/officeDocument/2006/relationships" xmlns:p="http://schemas.openxmlformats.org/presentationml/2006/main">
+  <p:cSld>
+    <p:spTree>
+      <p:nvGrpSpPr>
+        <p:cNvPr id="1" name=""/>
+        <p:cNvGrpSpPr/>
+        <p:nvPr/>
+      </p:nvGrpSpPr>
+      <p:grpSpPr>
+        <a:xfrm>
+          <a:off x="0" y="0"/>
+          <a:ext cx="0" cy="0"/>
+          <a:chOff x="0" y="0"/>
+          <a:chExt cx="0" cy="0"/>
+        </a:xfrm>
+      </p:grpSpPr>
+      <p:sp>
+        <p:nvSpPr>
+          <p:cNvPr id="2" name="Title 1"/>
+          <p:cNvSpPr>
+            <a:spLocks noGrp="1"/>
+          </p:cNvSpPr>
+          <p:nvPr>
+            <p:ph type="title"/>
+          </p:nvPr>
+        </p:nvSpPr>
+        <p:spPr>
+          <a:xfrm>
+            <a:off x="539552" y="1493912"/>
+            <a:ext cx="8229600" cy="1143000"/>
+          </a:xfrm>
+        </p:spPr>
+        <p:txBody>
+          <a:bodyPr>
+            <a:normAutofit/>
+          </a:bodyPr>
+          <a:lstStyle/>
+          <a:p>
+            <a:r>
+              <a:rPr lang="en-CA" sz="6000" dirty="0"/>
+              <a:t>Thank you for listening!</a:t>
+            </a:r>
+          </a:p>
+        </p:txBody>
+      </p:sp>
+      <p:pic>
+        <p:nvPicPr>
+          <p:cNvPr id="4" name="Picture 3"/>
+          <p:cNvPicPr>
+            <a:picLocks noChangeAspect="1"/>
+          </p:cNvPicPr>
+          <p:nvPr/>
+        </p:nvPicPr>
+        <p:blipFill>
+          <a:blip r:embed="rId2">
+            <a:extLst>
+              <a:ext uri="{28A0092B-C50C-407E-A947-70E740481C1C}">
+                <a14:useLocalDpi xmlns:a14="http://schemas.microsoft.com/office/drawing/2010/main" val="0"/>
+              </a:ext>
+            </a:extLst>
+          </a:blip>
+          <a:stretch>
+            <a:fillRect/>
+          </a:stretch>
+        </p:blipFill>
+        <p:spPr>
+          <a:xfrm>
+            <a:off x="1835696" y="3212976"/>
+            <a:ext cx="5940152" cy="1983694"/>
+          </a:xfrm>
+          <a:prstGeom prst="rect">
+            <a:avLst/>
+          </a:prstGeom>
+        </p:spPr>
+      </p:pic>
+    </p:spTree>
+    <p:extLst>
+      <p:ext uri="{BB962C8B-B14F-4D97-AF65-F5344CB8AC3E}">
+        <p14:creationId xmlns:p14="http://schemas.microsoft.com/office/powerpoint/2010/main" val="2369171264"/>
+      </p:ext>
+    </p:extLst>
+  </p:cSld>
+  <p:clrMapOvr>
+    <a:masterClrMapping/>
+  </p:clrMapOvr>
+</p:sld>
+</file>
+
 <file path=ppt/slides/slide2.xml><?xml version="1.0" encoding="utf-8"?>
 <p:sld xmlns:a="http://schemas.openxmlformats.org/drawingml/2006/main" xmlns:r="http://schemas.openxmlformats.org/officeDocument/2006/relationships" xmlns:p="http://schemas.openxmlformats.org/presentationml/2006/main">
   <p:cSld>
@@ -4796,6 +4888,370 @@
           <a:lstStyle/>
           <a:p>
             <a:r>
+              <a:rPr lang="en-CA" dirty="0" err="1" smtClean="0"/>
+              <a:t>Battacharya</a:t>
+            </a:r>
+            <a:r>
+              <a:rPr lang="en-CA" dirty="0" smtClean="0"/>
+              <a:t> Coefficient</a:t>
+            </a:r>
+            <a:endParaRPr lang="en-CA" dirty="0"/>
+          </a:p>
+        </p:txBody>
+      </p:sp>
+      <p:sp>
+        <p:nvSpPr>
+          <p:cNvPr id="3" name="Content Placeholder 2"/>
+          <p:cNvSpPr>
+            <a:spLocks noGrp="1"/>
+          </p:cNvSpPr>
+          <p:nvPr>
+            <p:ph idx="1"/>
+          </p:nvPr>
+        </p:nvSpPr>
+        <p:spPr/>
+        <p:txBody>
+          <a:bodyPr/>
+          <a:lstStyle/>
+          <a:p>
+            <a:r>
+              <a:rPr lang="en-CA" dirty="0" smtClean="0"/>
+              <a:t>Measure of overlapping distributions</a:t>
+            </a:r>
+            <a:endParaRPr lang="en-CA" dirty="0"/>
+          </a:p>
+        </p:txBody>
+      </p:sp>
+      <p:pic>
+        <p:nvPicPr>
+          <p:cNvPr id="4" name="Picture 3"/>
+          <p:cNvPicPr>
+            <a:picLocks noChangeAspect="1"/>
+          </p:cNvPicPr>
+          <p:nvPr/>
+        </p:nvPicPr>
+        <p:blipFill rotWithShape="1">
+          <a:blip r:embed="rId2">
+            <a:extLst>
+              <a:ext uri="{28A0092B-C50C-407E-A947-70E740481C1C}">
+                <a14:useLocalDpi xmlns:a14="http://schemas.microsoft.com/office/drawing/2010/main" val="0"/>
+              </a:ext>
+            </a:extLst>
+          </a:blip>
+          <a:srcRect l="33609" t="2311" r="13676" b="52471"/>
+          <a:stretch/>
+        </p:blipFill>
+        <p:spPr>
+          <a:xfrm>
+            <a:off x="1844299" y="2820692"/>
+            <a:ext cx="6168326" cy="3828080"/>
+          </a:xfrm>
+          <a:prstGeom prst="rect">
+            <a:avLst/>
+          </a:prstGeom>
+        </p:spPr>
+      </p:pic>
+    </p:spTree>
+    <p:extLst>
+      <p:ext uri="{BB962C8B-B14F-4D97-AF65-F5344CB8AC3E}">
+        <p14:creationId xmlns:p14="http://schemas.microsoft.com/office/powerpoint/2010/main" val="1334401462"/>
+      </p:ext>
+    </p:extLst>
+  </p:cSld>
+  <p:clrMapOvr>
+    <a:masterClrMapping/>
+  </p:clrMapOvr>
+</p:sld>
+</file>
+
+<file path=ppt/slides/slide5.xml><?xml version="1.0" encoding="utf-8"?>
+<p:sld xmlns:a="http://schemas.openxmlformats.org/drawingml/2006/main" xmlns:r="http://schemas.openxmlformats.org/officeDocument/2006/relationships" xmlns:p="http://schemas.openxmlformats.org/presentationml/2006/main">
+  <p:cSld>
+    <p:spTree>
+      <p:nvGrpSpPr>
+        <p:cNvPr id="1" name=""/>
+        <p:cNvGrpSpPr/>
+        <p:nvPr/>
+      </p:nvGrpSpPr>
+      <p:grpSpPr>
+        <a:xfrm>
+          <a:off x="0" y="0"/>
+          <a:ext cx="0" cy="0"/>
+          <a:chOff x="0" y="0"/>
+          <a:chExt cx="0" cy="0"/>
+        </a:xfrm>
+      </p:grpSpPr>
+      <p:sp>
+        <p:nvSpPr>
+          <p:cNvPr id="2" name="Title 1"/>
+          <p:cNvSpPr>
+            <a:spLocks noGrp="1"/>
+          </p:cNvSpPr>
+          <p:nvPr>
+            <p:ph type="title"/>
+          </p:nvPr>
+        </p:nvSpPr>
+        <p:spPr/>
+        <p:txBody>
+          <a:bodyPr/>
+          <a:lstStyle/>
+          <a:p>
+            <a:r>
+              <a:rPr lang="en-CA" dirty="0" err="1" smtClean="0"/>
+              <a:t>Battacharya</a:t>
+            </a:r>
+            <a:r>
+              <a:rPr lang="en-CA" dirty="0" smtClean="0"/>
+              <a:t> Coefficient</a:t>
+            </a:r>
+            <a:endParaRPr lang="en-CA" dirty="0"/>
+          </a:p>
+        </p:txBody>
+      </p:sp>
+      <p:sp>
+        <p:nvSpPr>
+          <p:cNvPr id="3" name="Content Placeholder 2"/>
+          <p:cNvSpPr>
+            <a:spLocks noGrp="1"/>
+          </p:cNvSpPr>
+          <p:nvPr>
+            <p:ph idx="1"/>
+          </p:nvPr>
+        </p:nvSpPr>
+        <p:spPr/>
+        <p:txBody>
+          <a:bodyPr/>
+          <a:lstStyle/>
+          <a:p>
+            <a:r>
+              <a:rPr lang="en-CA" dirty="0" smtClean="0"/>
+              <a:t>Measure of overlapping distributions</a:t>
+            </a:r>
+            <a:endParaRPr lang="en-CA" dirty="0"/>
+          </a:p>
+        </p:txBody>
+      </p:sp>
+      <p:pic>
+        <p:nvPicPr>
+          <p:cNvPr id="4" name="Picture 3"/>
+          <p:cNvPicPr>
+            <a:picLocks noChangeAspect="1"/>
+          </p:cNvPicPr>
+          <p:nvPr/>
+        </p:nvPicPr>
+        <p:blipFill rotWithShape="1">
+          <a:blip r:embed="rId2">
+            <a:extLst>
+              <a:ext uri="{28A0092B-C50C-407E-A947-70E740481C1C}">
+                <a14:useLocalDpi xmlns:a14="http://schemas.microsoft.com/office/drawing/2010/main" val="0"/>
+              </a:ext>
+            </a:extLst>
+          </a:blip>
+          <a:srcRect l="38050" t="1617" r="12818" b="53842"/>
+          <a:stretch/>
+        </p:blipFill>
+        <p:spPr>
+          <a:xfrm>
+            <a:off x="2340245" y="2774197"/>
+            <a:ext cx="5765370" cy="3781586"/>
+          </a:xfrm>
+          <a:prstGeom prst="rect">
+            <a:avLst/>
+          </a:prstGeom>
+        </p:spPr>
+      </p:pic>
+    </p:spTree>
+    <p:extLst>
+      <p:ext uri="{BB962C8B-B14F-4D97-AF65-F5344CB8AC3E}">
+        <p14:creationId xmlns:p14="http://schemas.microsoft.com/office/powerpoint/2010/main" val="1195850050"/>
+      </p:ext>
+    </p:extLst>
+  </p:cSld>
+  <p:clrMapOvr>
+    <a:masterClrMapping/>
+  </p:clrMapOvr>
+</p:sld>
+</file>
+
+<file path=ppt/slides/slide6.xml><?xml version="1.0" encoding="utf-8"?>
+<p:sld xmlns:a="http://schemas.openxmlformats.org/drawingml/2006/main" xmlns:r="http://schemas.openxmlformats.org/officeDocument/2006/relationships" xmlns:p="http://schemas.openxmlformats.org/presentationml/2006/main">
+  <p:cSld>
+    <p:spTree>
+      <p:nvGrpSpPr>
+        <p:cNvPr id="1" name=""/>
+        <p:cNvGrpSpPr/>
+        <p:nvPr/>
+      </p:nvGrpSpPr>
+      <p:grpSpPr>
+        <a:xfrm>
+          <a:off x="0" y="0"/>
+          <a:ext cx="0" cy="0"/>
+          <a:chOff x="0" y="0"/>
+          <a:chExt cx="0" cy="0"/>
+        </a:xfrm>
+      </p:grpSpPr>
+      <p:sp>
+        <p:nvSpPr>
+          <p:cNvPr id="2" name="Title 1"/>
+          <p:cNvSpPr>
+            <a:spLocks noGrp="1"/>
+          </p:cNvSpPr>
+          <p:nvPr>
+            <p:ph type="title"/>
+          </p:nvPr>
+        </p:nvSpPr>
+        <p:spPr/>
+        <p:txBody>
+          <a:bodyPr/>
+          <a:lstStyle/>
+          <a:p>
+            <a:r>
+              <a:rPr lang="en-CA" dirty="0" err="1" smtClean="0"/>
+              <a:t>Battacharya</a:t>
+            </a:r>
+            <a:r>
+              <a:rPr lang="en-CA" dirty="0" smtClean="0"/>
+              <a:t> Coefficient</a:t>
+            </a:r>
+            <a:endParaRPr lang="en-CA" dirty="0"/>
+          </a:p>
+        </p:txBody>
+      </p:sp>
+      <p:pic>
+        <p:nvPicPr>
+          <p:cNvPr id="5" name="Picture 4"/>
+          <p:cNvPicPr>
+            <a:picLocks noChangeAspect="1"/>
+          </p:cNvPicPr>
+          <p:nvPr/>
+        </p:nvPicPr>
+        <p:blipFill rotWithShape="1">
+          <a:blip r:embed="rId2">
+            <a:extLst>
+              <a:ext uri="{28A0092B-C50C-407E-A947-70E740481C1C}">
+                <a14:useLocalDpi xmlns:a14="http://schemas.microsoft.com/office/drawing/2010/main" val="0"/>
+              </a:ext>
+            </a:extLst>
+          </a:blip>
+          <a:srcRect l="50740" t="7428" r="18538" b="49944"/>
+          <a:stretch/>
+        </p:blipFill>
+        <p:spPr>
+          <a:xfrm>
+            <a:off x="8676456" y="2420888"/>
+            <a:ext cx="3952068" cy="3967567"/>
+          </a:xfrm>
+          <a:prstGeom prst="rect">
+            <a:avLst/>
+          </a:prstGeom>
+          <a:ln>
+            <a:solidFill>
+              <a:schemeClr val="accent1"/>
+            </a:solidFill>
+          </a:ln>
+          <a:effectLst>
+            <a:reflection stA="0" endPos="65000" dist="50800" dir="5400000" sy="-100000" algn="bl" rotWithShape="0"/>
+          </a:effectLst>
+        </p:spPr>
+      </p:pic>
+      <p:sp>
+        <p:nvSpPr>
+          <p:cNvPr id="3" name="Content Placeholder 2"/>
+          <p:cNvSpPr>
+            <a:spLocks noGrp="1"/>
+          </p:cNvSpPr>
+          <p:nvPr>
+            <p:ph idx="1"/>
+          </p:nvPr>
+        </p:nvSpPr>
+        <p:spPr/>
+        <p:txBody>
+          <a:bodyPr/>
+          <a:lstStyle/>
+          <a:p>
+            <a:r>
+              <a:rPr lang="en-CA" dirty="0" smtClean="0"/>
+              <a:t>Measure of overlapping distributions</a:t>
+            </a:r>
+            <a:endParaRPr lang="en-CA" dirty="0"/>
+          </a:p>
+        </p:txBody>
+      </p:sp>
+      <p:pic>
+        <p:nvPicPr>
+          <p:cNvPr id="4" name="Picture 3"/>
+          <p:cNvPicPr>
+            <a:picLocks noChangeAspect="1"/>
+          </p:cNvPicPr>
+          <p:nvPr/>
+        </p:nvPicPr>
+        <p:blipFill rotWithShape="1">
+          <a:blip r:embed="rId3">
+            <a:extLst>
+              <a:ext uri="{28A0092B-C50C-407E-A947-70E740481C1C}">
+                <a14:useLocalDpi xmlns:a14="http://schemas.microsoft.com/office/drawing/2010/main" val="0"/>
+              </a:ext>
+            </a:extLst>
+          </a:blip>
+          <a:srcRect l="38050" t="1617" r="12818" b="53842"/>
+          <a:stretch/>
+        </p:blipFill>
+        <p:spPr>
+          <a:xfrm>
+            <a:off x="2326453" y="2789695"/>
+            <a:ext cx="5765370" cy="3781586"/>
+          </a:xfrm>
+          <a:prstGeom prst="rect">
+            <a:avLst/>
+          </a:prstGeom>
+        </p:spPr>
+      </p:pic>
+    </p:spTree>
+    <p:extLst>
+      <p:ext uri="{BB962C8B-B14F-4D97-AF65-F5344CB8AC3E}">
+        <p14:creationId xmlns:p14="http://schemas.microsoft.com/office/powerpoint/2010/main" val="1334401462"/>
+      </p:ext>
+    </p:extLst>
+  </p:cSld>
+  <p:clrMapOvr>
+    <a:masterClrMapping/>
+  </p:clrMapOvr>
+</p:sld>
+</file>
+
+<file path=ppt/slides/slide7.xml><?xml version="1.0" encoding="utf-8"?>
+<p:sld xmlns:a="http://schemas.openxmlformats.org/drawingml/2006/main" xmlns:r="http://schemas.openxmlformats.org/officeDocument/2006/relationships" xmlns:p="http://schemas.openxmlformats.org/presentationml/2006/main">
+  <p:cSld>
+    <p:spTree>
+      <p:nvGrpSpPr>
+        <p:cNvPr id="1" name=""/>
+        <p:cNvGrpSpPr/>
+        <p:nvPr/>
+      </p:nvGrpSpPr>
+      <p:grpSpPr>
+        <a:xfrm>
+          <a:off x="0" y="0"/>
+          <a:ext cx="0" cy="0"/>
+          <a:chOff x="0" y="0"/>
+          <a:chExt cx="0" cy="0"/>
+        </a:xfrm>
+      </p:grpSpPr>
+      <p:sp>
+        <p:nvSpPr>
+          <p:cNvPr id="2" name="Title 1"/>
+          <p:cNvSpPr>
+            <a:spLocks noGrp="1"/>
+          </p:cNvSpPr>
+          <p:nvPr>
+            <p:ph type="title"/>
+          </p:nvPr>
+        </p:nvSpPr>
+        <p:spPr/>
+        <p:txBody>
+          <a:bodyPr/>
+          <a:lstStyle/>
+          <a:p>
+            <a:r>
               <a:rPr lang="en-CA" b="1" dirty="0">
                 <a:solidFill>
                   <a:schemeClr val="accent6">
@@ -4813,7 +5269,7 @@
           <p:cNvPr id="4" name="Picture 3">
             <a:extLst>
               <a:ext uri="{FF2B5EF4-FFF2-40B4-BE49-F238E27FC236}">
-                <a16:creationId xmlns:a16="http://schemas.microsoft.com/office/drawing/2014/main" id="{C8D9AA40-7927-0F41-AF21-5C3EF4ADFBDB}"/>
+                <a16:creationId xmlns:a16="http://schemas.microsoft.com/office/drawing/2014/main" xmlns="" id="{C8D9AA40-7927-0F41-AF21-5C3EF4ADFBDB}"/>
               </a:ext>
             </a:extLst>
           </p:cNvPr>
@@ -4978,7 +5434,7 @@
                       <m:dPr>
                         <m:ctrlPr>
                           <a:rPr lang="en-CA" i="1" dirty="0" smtClean="0">
-                            <a:latin typeface="Cambria Math" panose="02040503050406030204" pitchFamily="18" charset="0"/>
+                            <a:latin typeface="Cambria Math"/>
                           </a:rPr>
                         </m:ctrlPr>
                       </m:dPr>
@@ -5098,7 +5554,7 @@
 </p:sld>
 </file>
 
-<file path=ppt/slides/slide5.xml><?xml version="1.0" encoding="utf-8"?>
+<file path=ppt/slides/slide8.xml><?xml version="1.0" encoding="utf-8"?>
 <p:sld xmlns:a="http://schemas.openxmlformats.org/drawingml/2006/main" xmlns:r="http://schemas.openxmlformats.org/officeDocument/2006/relationships" xmlns:p="http://schemas.openxmlformats.org/presentationml/2006/main">
   <p:cSld>
     <p:spTree>
@@ -5148,7 +5604,7 @@
           <p:cNvPr id="4" name="Picture 3">
             <a:extLst>
               <a:ext uri="{FF2B5EF4-FFF2-40B4-BE49-F238E27FC236}">
-                <a16:creationId xmlns:a16="http://schemas.microsoft.com/office/drawing/2014/main" id="{76C3CB6E-1FBF-4848-9155-E7E23D7258D1}"/>
+                <a16:creationId xmlns:a16="http://schemas.microsoft.com/office/drawing/2014/main" xmlns="" id="{76C3CB6E-1FBF-4848-9155-E7E23D7258D1}"/>
               </a:ext>
             </a:extLst>
           </p:cNvPr>
@@ -5317,7 +5773,7 @@
 </p:sld>
 </file>
 
-<file path=ppt/slides/slide6.xml><?xml version="1.0" encoding="utf-8"?>
+<file path=ppt/slides/slide9.xml><?xml version="1.0" encoding="utf-8"?>
 <p:sld xmlns:a="http://schemas.openxmlformats.org/drawingml/2006/main" xmlns:r="http://schemas.openxmlformats.org/officeDocument/2006/relationships" xmlns:p="http://schemas.openxmlformats.org/presentationml/2006/main">
   <p:cSld>
     <p:spTree>
@@ -5477,95 +5933,6 @@
     <p:extLst>
       <p:ext uri="{BB962C8B-B14F-4D97-AF65-F5344CB8AC3E}">
         <p14:creationId xmlns:p14="http://schemas.microsoft.com/office/powerpoint/2010/main" val="557828376"/>
-      </p:ext>
-    </p:extLst>
-  </p:cSld>
-  <p:clrMapOvr>
-    <a:masterClrMapping/>
-  </p:clrMapOvr>
-</p:sld>
-</file>
-
-<file path=ppt/slides/slide7.xml><?xml version="1.0" encoding="utf-8"?>
-<p:sld xmlns:a="http://schemas.openxmlformats.org/drawingml/2006/main" xmlns:r="http://schemas.openxmlformats.org/officeDocument/2006/relationships" xmlns:p="http://schemas.openxmlformats.org/presentationml/2006/main">
-  <p:cSld>
-    <p:spTree>
-      <p:nvGrpSpPr>
-        <p:cNvPr id="1" name=""/>
-        <p:cNvGrpSpPr/>
-        <p:nvPr/>
-      </p:nvGrpSpPr>
-      <p:grpSpPr>
-        <a:xfrm>
-          <a:off x="0" y="0"/>
-          <a:ext cx="0" cy="0"/>
-          <a:chOff x="0" y="0"/>
-          <a:chExt cx="0" cy="0"/>
-        </a:xfrm>
-      </p:grpSpPr>
-      <p:sp>
-        <p:nvSpPr>
-          <p:cNvPr id="2" name="Title 1"/>
-          <p:cNvSpPr>
-            <a:spLocks noGrp="1"/>
-          </p:cNvSpPr>
-          <p:nvPr>
-            <p:ph type="title"/>
-          </p:nvPr>
-        </p:nvSpPr>
-        <p:spPr>
-          <a:xfrm>
-            <a:off x="539552" y="1493912"/>
-            <a:ext cx="8229600" cy="1143000"/>
-          </a:xfrm>
-        </p:spPr>
-        <p:txBody>
-          <a:bodyPr>
-            <a:normAutofit/>
-          </a:bodyPr>
-          <a:lstStyle/>
-          <a:p>
-            <a:r>
-              <a:rPr lang="en-CA" sz="6000" dirty="0"/>
-              <a:t>Thank you for listening!</a:t>
-            </a:r>
-          </a:p>
-        </p:txBody>
-      </p:sp>
-      <p:pic>
-        <p:nvPicPr>
-          <p:cNvPr id="4" name="Picture 3"/>
-          <p:cNvPicPr>
-            <a:picLocks noChangeAspect="1"/>
-          </p:cNvPicPr>
-          <p:nvPr/>
-        </p:nvPicPr>
-        <p:blipFill>
-          <a:blip r:embed="rId2">
-            <a:extLst>
-              <a:ext uri="{28A0092B-C50C-407E-A947-70E740481C1C}">
-                <a14:useLocalDpi xmlns:a14="http://schemas.microsoft.com/office/drawing/2010/main" val="0"/>
-              </a:ext>
-            </a:extLst>
-          </a:blip>
-          <a:stretch>
-            <a:fillRect/>
-          </a:stretch>
-        </p:blipFill>
-        <p:spPr>
-          <a:xfrm>
-            <a:off x="1835696" y="3212976"/>
-            <a:ext cx="5940152" cy="1983694"/>
-          </a:xfrm>
-          <a:prstGeom prst="rect">
-            <a:avLst/>
-          </a:prstGeom>
-        </p:spPr>
-      </p:pic>
-    </p:spTree>
-    <p:extLst>
-      <p:ext uri="{BB962C8B-B14F-4D97-AF65-F5344CB8AC3E}">
-        <p14:creationId xmlns:p14="http://schemas.microsoft.com/office/powerpoint/2010/main" val="2369171264"/>
       </p:ext>
     </p:extLst>
   </p:cSld>
